--- a/Presentation/Presentation.pptx
+++ b/Presentation/Presentation.pptx
@@ -17943,6 +17943,22 @@
               </a:buClr>
               <a:buSzPts val="1100"/>
             </a:pPr>
+            <a:endParaRPr lang="en-GB" dirty="0">
+              <a:solidFill>
+                <a:schemeClr val="dk1"/>
+              </a:solidFill>
+              <a:latin typeface="Roboto"/>
+              <a:ea typeface="Roboto"/>
+              <a:sym typeface="Roboto"/>
+            </a:endParaRPr>
+          </a:p>
+          <a:p>
+            <a:pPr>
+              <a:buClr>
+                <a:schemeClr val="dk1"/>
+              </a:buClr>
+              <a:buSzPts val="1100"/>
+            </a:pPr>
             <a:r>
               <a:rPr lang="en-GB" b="1" i="1" dirty="0">
                 <a:solidFill>
@@ -17954,14 +17970,6 @@
               </a:rPr>
               <a:t>Number of CV Scores used in Average: </a:t>
             </a:r>
-          </a:p>
-          <a:p>
-            <a:pPr>
-              <a:buClr>
-                <a:schemeClr val="dk1"/>
-              </a:buClr>
-              <a:buSzPts val="1100"/>
-            </a:pPr>
             <a:endParaRPr lang="en-GB" dirty="0">
               <a:solidFill>
                 <a:schemeClr val="dk1"/>
